--- a/ppt 16-9/0890.兄弟相爱.pptx
+++ b/ppt 16-9/0890.兄弟相爱.pptx
@@ -129,7 +129,7 @@
           <p:cNvPr id="2" name="标题 1">
             <a:extLst>
               <a:ext uri="{FF2B5EF4-FFF2-40B4-BE49-F238E27FC236}">
-                <a16:creationId xmlns:a16="http://schemas.microsoft.com/office/drawing/2014/main" id="{5E87ED45-EE44-20EE-E5DF-89310291D5B5}"/>
+                <a16:creationId xmlns:a16="http://schemas.microsoft.com/office/drawing/2014/main" id="{C533DD00-11B7-3603-E922-D48F1F76FDC8}"/>
               </a:ext>
             </a:extLst>
           </p:cNvPr>
@@ -166,7 +166,7 @@
           <p:cNvPr id="3" name="副标题 2">
             <a:extLst>
               <a:ext uri="{FF2B5EF4-FFF2-40B4-BE49-F238E27FC236}">
-                <a16:creationId xmlns:a16="http://schemas.microsoft.com/office/drawing/2014/main" id="{30347B23-9078-4DCD-15EB-13399FC48F14}"/>
+                <a16:creationId xmlns:a16="http://schemas.microsoft.com/office/drawing/2014/main" id="{6DDD4C47-E5F2-898B-9673-453669A3826C}"/>
               </a:ext>
             </a:extLst>
           </p:cNvPr>
@@ -236,7 +236,7 @@
           <p:cNvPr id="4" name="日期占位符 3">
             <a:extLst>
               <a:ext uri="{FF2B5EF4-FFF2-40B4-BE49-F238E27FC236}">
-                <a16:creationId xmlns:a16="http://schemas.microsoft.com/office/drawing/2014/main" id="{AC9CAC9F-9BEF-34A0-3FF6-7EA3B2D6EBC8}"/>
+                <a16:creationId xmlns:a16="http://schemas.microsoft.com/office/drawing/2014/main" id="{1741C934-20E4-690E-4E54-E539B14808E6}"/>
               </a:ext>
             </a:extLst>
           </p:cNvPr>
@@ -252,7 +252,7 @@
           <a:bodyPr/>
           <a:lstStyle/>
           <a:p>
-            <a:fld id="{EF682F3E-94F9-419D-AEA8-69E5EDEB68C4}" type="datetimeFigureOut">
+            <a:fld id="{ACCDC2CF-223D-472F-9AC2-985BF7C5DA47}" type="datetimeFigureOut">
               <a:rPr lang="zh-CN" altLang="en-US" smtClean="0"/>
               <a:t>2024/3/10</a:t>
             </a:fld>
@@ -265,7 +265,7 @@
           <p:cNvPr id="5" name="页脚占位符 4">
             <a:extLst>
               <a:ext uri="{FF2B5EF4-FFF2-40B4-BE49-F238E27FC236}">
-                <a16:creationId xmlns:a16="http://schemas.microsoft.com/office/drawing/2014/main" id="{6D3D24E5-AC87-8A27-AA93-EB1C6F3C3258}"/>
+                <a16:creationId xmlns:a16="http://schemas.microsoft.com/office/drawing/2014/main" id="{DCA302E8-27FA-1E92-4815-188217EA71D1}"/>
               </a:ext>
             </a:extLst>
           </p:cNvPr>
@@ -290,7 +290,7 @@
           <p:cNvPr id="6" name="灯片编号占位符 5">
             <a:extLst>
               <a:ext uri="{FF2B5EF4-FFF2-40B4-BE49-F238E27FC236}">
-                <a16:creationId xmlns:a16="http://schemas.microsoft.com/office/drawing/2014/main" id="{841ED4A0-1524-F6B3-4835-5A1E56559CB9}"/>
+                <a16:creationId xmlns:a16="http://schemas.microsoft.com/office/drawing/2014/main" id="{B9FBEB18-052E-6D56-FF4D-5022796E2209}"/>
               </a:ext>
             </a:extLst>
           </p:cNvPr>
@@ -306,7 +306,7 @@
           <a:bodyPr/>
           <a:lstStyle/>
           <a:p>
-            <a:fld id="{A1D975A1-35D9-4EAD-9A9E-76BCBBDD7DC7}" type="slidenum">
+            <a:fld id="{CDBF80CA-E56F-4A8B-A959-96ACCF06A62C}" type="slidenum">
               <a:rPr lang="zh-CN" altLang="en-US" smtClean="0"/>
               <a:t>‹#›</a:t>
             </a:fld>
@@ -317,7 +317,7 @@
     </p:spTree>
     <p:extLst>
       <p:ext uri="{BB962C8B-B14F-4D97-AF65-F5344CB8AC3E}">
-        <p14:creationId xmlns:p14="http://schemas.microsoft.com/office/powerpoint/2010/main" val="1714444764"/>
+        <p14:creationId xmlns:p14="http://schemas.microsoft.com/office/powerpoint/2010/main" val="3477209796"/>
       </p:ext>
     </p:extLst>
   </p:cSld>
@@ -349,7 +349,7 @@
           <p:cNvPr id="2" name="标题 1">
             <a:extLst>
               <a:ext uri="{FF2B5EF4-FFF2-40B4-BE49-F238E27FC236}">
-                <a16:creationId xmlns:a16="http://schemas.microsoft.com/office/drawing/2014/main" id="{6D62B6BC-2AF7-B0E4-31A2-375324C96EE4}"/>
+                <a16:creationId xmlns:a16="http://schemas.microsoft.com/office/drawing/2014/main" id="{DAEF981C-F5F2-13C0-E73C-6905D053F19F}"/>
               </a:ext>
             </a:extLst>
           </p:cNvPr>
@@ -377,7 +377,7 @@
           <p:cNvPr id="3" name="竖排文字占位符 2">
             <a:extLst>
               <a:ext uri="{FF2B5EF4-FFF2-40B4-BE49-F238E27FC236}">
-                <a16:creationId xmlns:a16="http://schemas.microsoft.com/office/drawing/2014/main" id="{3754563B-6D12-AD7A-87E9-F677B1E57932}"/>
+                <a16:creationId xmlns:a16="http://schemas.microsoft.com/office/drawing/2014/main" id="{658457AB-1B2E-3576-DE2C-C4731C2EBFFE}"/>
               </a:ext>
             </a:extLst>
           </p:cNvPr>
@@ -434,7 +434,7 @@
           <p:cNvPr id="4" name="日期占位符 3">
             <a:extLst>
               <a:ext uri="{FF2B5EF4-FFF2-40B4-BE49-F238E27FC236}">
-                <a16:creationId xmlns:a16="http://schemas.microsoft.com/office/drawing/2014/main" id="{D57D2B90-BB72-DB6A-2F92-01D939C85CF1}"/>
+                <a16:creationId xmlns:a16="http://schemas.microsoft.com/office/drawing/2014/main" id="{4887555D-9792-B014-24BE-71935E9D5CA1}"/>
               </a:ext>
             </a:extLst>
           </p:cNvPr>
@@ -450,7 +450,7 @@
           <a:bodyPr/>
           <a:lstStyle/>
           <a:p>
-            <a:fld id="{EF682F3E-94F9-419D-AEA8-69E5EDEB68C4}" type="datetimeFigureOut">
+            <a:fld id="{ACCDC2CF-223D-472F-9AC2-985BF7C5DA47}" type="datetimeFigureOut">
               <a:rPr lang="zh-CN" altLang="en-US" smtClean="0"/>
               <a:t>2024/3/10</a:t>
             </a:fld>
@@ -463,7 +463,7 @@
           <p:cNvPr id="5" name="页脚占位符 4">
             <a:extLst>
               <a:ext uri="{FF2B5EF4-FFF2-40B4-BE49-F238E27FC236}">
-                <a16:creationId xmlns:a16="http://schemas.microsoft.com/office/drawing/2014/main" id="{506D2165-6054-95CF-ACA2-371203862CC6}"/>
+                <a16:creationId xmlns:a16="http://schemas.microsoft.com/office/drawing/2014/main" id="{166E1568-DCEC-CB3C-AE81-B4F64ACE18D1}"/>
               </a:ext>
             </a:extLst>
           </p:cNvPr>
@@ -488,7 +488,7 @@
           <p:cNvPr id="6" name="灯片编号占位符 5">
             <a:extLst>
               <a:ext uri="{FF2B5EF4-FFF2-40B4-BE49-F238E27FC236}">
-                <a16:creationId xmlns:a16="http://schemas.microsoft.com/office/drawing/2014/main" id="{7BD36B25-7FFC-B7A0-527A-897726F8104C}"/>
+                <a16:creationId xmlns:a16="http://schemas.microsoft.com/office/drawing/2014/main" id="{BCB611F1-E181-E6FF-3893-469B7B1D8BD2}"/>
               </a:ext>
             </a:extLst>
           </p:cNvPr>
@@ -504,7 +504,7 @@
           <a:bodyPr/>
           <a:lstStyle/>
           <a:p>
-            <a:fld id="{A1D975A1-35D9-4EAD-9A9E-76BCBBDD7DC7}" type="slidenum">
+            <a:fld id="{CDBF80CA-E56F-4A8B-A959-96ACCF06A62C}" type="slidenum">
               <a:rPr lang="zh-CN" altLang="en-US" smtClean="0"/>
               <a:t>‹#›</a:t>
             </a:fld>
@@ -515,7 +515,7 @@
     </p:spTree>
     <p:extLst>
       <p:ext uri="{BB962C8B-B14F-4D97-AF65-F5344CB8AC3E}">
-        <p14:creationId xmlns:p14="http://schemas.microsoft.com/office/powerpoint/2010/main" val="247218633"/>
+        <p14:creationId xmlns:p14="http://schemas.microsoft.com/office/powerpoint/2010/main" val="1450453980"/>
       </p:ext>
     </p:extLst>
   </p:cSld>
@@ -547,7 +547,7 @@
           <p:cNvPr id="2" name="竖排标题 1">
             <a:extLst>
               <a:ext uri="{FF2B5EF4-FFF2-40B4-BE49-F238E27FC236}">
-                <a16:creationId xmlns:a16="http://schemas.microsoft.com/office/drawing/2014/main" id="{6B858A40-9ADC-1F4E-3FB6-1A2EA99B9211}"/>
+                <a16:creationId xmlns:a16="http://schemas.microsoft.com/office/drawing/2014/main" id="{DB7D5B7E-0FFC-BDB5-10C0-3845A9DED23D}"/>
               </a:ext>
             </a:extLst>
           </p:cNvPr>
@@ -580,7 +580,7 @@
           <p:cNvPr id="3" name="竖排文字占位符 2">
             <a:extLst>
               <a:ext uri="{FF2B5EF4-FFF2-40B4-BE49-F238E27FC236}">
-                <a16:creationId xmlns:a16="http://schemas.microsoft.com/office/drawing/2014/main" id="{92AE5152-170F-3A95-71EC-D238F657CE86}"/>
+                <a16:creationId xmlns:a16="http://schemas.microsoft.com/office/drawing/2014/main" id="{087E0C5B-8013-2CE8-6C55-CEB87B045FF2}"/>
               </a:ext>
             </a:extLst>
           </p:cNvPr>
@@ -642,7 +642,7 @@
           <p:cNvPr id="4" name="日期占位符 3">
             <a:extLst>
               <a:ext uri="{FF2B5EF4-FFF2-40B4-BE49-F238E27FC236}">
-                <a16:creationId xmlns:a16="http://schemas.microsoft.com/office/drawing/2014/main" id="{33A5AF1D-0E1F-FEE4-B0D2-7D63C7232DEE}"/>
+                <a16:creationId xmlns:a16="http://schemas.microsoft.com/office/drawing/2014/main" id="{B711AB48-C3CC-4209-9E1B-D50AFC129F36}"/>
               </a:ext>
             </a:extLst>
           </p:cNvPr>
@@ -658,7 +658,7 @@
           <a:bodyPr/>
           <a:lstStyle/>
           <a:p>
-            <a:fld id="{EF682F3E-94F9-419D-AEA8-69E5EDEB68C4}" type="datetimeFigureOut">
+            <a:fld id="{ACCDC2CF-223D-472F-9AC2-985BF7C5DA47}" type="datetimeFigureOut">
               <a:rPr lang="zh-CN" altLang="en-US" smtClean="0"/>
               <a:t>2024/3/10</a:t>
             </a:fld>
@@ -671,7 +671,7 @@
           <p:cNvPr id="5" name="页脚占位符 4">
             <a:extLst>
               <a:ext uri="{FF2B5EF4-FFF2-40B4-BE49-F238E27FC236}">
-                <a16:creationId xmlns:a16="http://schemas.microsoft.com/office/drawing/2014/main" id="{67DC7029-4274-ADC0-A4C4-673AF35FB97E}"/>
+                <a16:creationId xmlns:a16="http://schemas.microsoft.com/office/drawing/2014/main" id="{FBB46BA9-8815-2364-8FAD-F1FD909C17FF}"/>
               </a:ext>
             </a:extLst>
           </p:cNvPr>
@@ -696,7 +696,7 @@
           <p:cNvPr id="6" name="灯片编号占位符 5">
             <a:extLst>
               <a:ext uri="{FF2B5EF4-FFF2-40B4-BE49-F238E27FC236}">
-                <a16:creationId xmlns:a16="http://schemas.microsoft.com/office/drawing/2014/main" id="{D1BF639D-A002-0FF2-265B-973A3B4E01DF}"/>
+                <a16:creationId xmlns:a16="http://schemas.microsoft.com/office/drawing/2014/main" id="{57071C31-D8B1-81F8-D4CC-EE403BA97D83}"/>
               </a:ext>
             </a:extLst>
           </p:cNvPr>
@@ -712,7 +712,7 @@
           <a:bodyPr/>
           <a:lstStyle/>
           <a:p>
-            <a:fld id="{A1D975A1-35D9-4EAD-9A9E-76BCBBDD7DC7}" type="slidenum">
+            <a:fld id="{CDBF80CA-E56F-4A8B-A959-96ACCF06A62C}" type="slidenum">
               <a:rPr lang="zh-CN" altLang="en-US" smtClean="0"/>
               <a:t>‹#›</a:t>
             </a:fld>
@@ -723,7 +723,7 @@
     </p:spTree>
     <p:extLst>
       <p:ext uri="{BB962C8B-B14F-4D97-AF65-F5344CB8AC3E}">
-        <p14:creationId xmlns:p14="http://schemas.microsoft.com/office/powerpoint/2010/main" val="3987120280"/>
+        <p14:creationId xmlns:p14="http://schemas.microsoft.com/office/powerpoint/2010/main" val="2284624539"/>
       </p:ext>
     </p:extLst>
   </p:cSld>
@@ -755,7 +755,7 @@
           <p:cNvPr id="2" name="标题 1">
             <a:extLst>
               <a:ext uri="{FF2B5EF4-FFF2-40B4-BE49-F238E27FC236}">
-                <a16:creationId xmlns:a16="http://schemas.microsoft.com/office/drawing/2014/main" id="{101B0A93-6358-8A83-15F9-5A14EE087154}"/>
+                <a16:creationId xmlns:a16="http://schemas.microsoft.com/office/drawing/2014/main" id="{428CA394-9CE7-9C25-A653-595D51FF48C2}"/>
               </a:ext>
             </a:extLst>
           </p:cNvPr>
@@ -783,7 +783,7 @@
           <p:cNvPr id="3" name="内容占位符 2">
             <a:extLst>
               <a:ext uri="{FF2B5EF4-FFF2-40B4-BE49-F238E27FC236}">
-                <a16:creationId xmlns:a16="http://schemas.microsoft.com/office/drawing/2014/main" id="{59729141-9218-9746-806F-6C335A66EE9C}"/>
+                <a16:creationId xmlns:a16="http://schemas.microsoft.com/office/drawing/2014/main" id="{F58DC6F9-A5B1-2F08-36F5-72D58D5075C6}"/>
               </a:ext>
             </a:extLst>
           </p:cNvPr>
@@ -840,7 +840,7 @@
           <p:cNvPr id="4" name="日期占位符 3">
             <a:extLst>
               <a:ext uri="{FF2B5EF4-FFF2-40B4-BE49-F238E27FC236}">
-                <a16:creationId xmlns:a16="http://schemas.microsoft.com/office/drawing/2014/main" id="{5BE350AE-830F-E2EE-9F8B-A8A2EC1FBA16}"/>
+                <a16:creationId xmlns:a16="http://schemas.microsoft.com/office/drawing/2014/main" id="{94EF46F2-806D-AC24-7ED9-D6DDD6A1EAD0}"/>
               </a:ext>
             </a:extLst>
           </p:cNvPr>
@@ -856,7 +856,7 @@
           <a:bodyPr/>
           <a:lstStyle/>
           <a:p>
-            <a:fld id="{EF682F3E-94F9-419D-AEA8-69E5EDEB68C4}" type="datetimeFigureOut">
+            <a:fld id="{ACCDC2CF-223D-472F-9AC2-985BF7C5DA47}" type="datetimeFigureOut">
               <a:rPr lang="zh-CN" altLang="en-US" smtClean="0"/>
               <a:t>2024/3/10</a:t>
             </a:fld>
@@ -869,7 +869,7 @@
           <p:cNvPr id="5" name="页脚占位符 4">
             <a:extLst>
               <a:ext uri="{FF2B5EF4-FFF2-40B4-BE49-F238E27FC236}">
-                <a16:creationId xmlns:a16="http://schemas.microsoft.com/office/drawing/2014/main" id="{D526985A-0E4A-EB35-04CE-D6C73B2C92FD}"/>
+                <a16:creationId xmlns:a16="http://schemas.microsoft.com/office/drawing/2014/main" id="{ECAAF1AB-6830-0543-187D-2D835283303D}"/>
               </a:ext>
             </a:extLst>
           </p:cNvPr>
@@ -894,7 +894,7 @@
           <p:cNvPr id="6" name="灯片编号占位符 5">
             <a:extLst>
               <a:ext uri="{FF2B5EF4-FFF2-40B4-BE49-F238E27FC236}">
-                <a16:creationId xmlns:a16="http://schemas.microsoft.com/office/drawing/2014/main" id="{873477B4-2C23-84BB-F008-2354BD1B6622}"/>
+                <a16:creationId xmlns:a16="http://schemas.microsoft.com/office/drawing/2014/main" id="{483B0DA1-5C95-0985-3D87-5E2E296F73CA}"/>
               </a:ext>
             </a:extLst>
           </p:cNvPr>
@@ -910,7 +910,7 @@
           <a:bodyPr/>
           <a:lstStyle/>
           <a:p>
-            <a:fld id="{A1D975A1-35D9-4EAD-9A9E-76BCBBDD7DC7}" type="slidenum">
+            <a:fld id="{CDBF80CA-E56F-4A8B-A959-96ACCF06A62C}" type="slidenum">
               <a:rPr lang="zh-CN" altLang="en-US" smtClean="0"/>
               <a:t>‹#›</a:t>
             </a:fld>
@@ -921,7 +921,7 @@
     </p:spTree>
     <p:extLst>
       <p:ext uri="{BB962C8B-B14F-4D97-AF65-F5344CB8AC3E}">
-        <p14:creationId xmlns:p14="http://schemas.microsoft.com/office/powerpoint/2010/main" val="3635261871"/>
+        <p14:creationId xmlns:p14="http://schemas.microsoft.com/office/powerpoint/2010/main" val="2438698457"/>
       </p:ext>
     </p:extLst>
   </p:cSld>
@@ -953,7 +953,7 @@
           <p:cNvPr id="2" name="标题 1">
             <a:extLst>
               <a:ext uri="{FF2B5EF4-FFF2-40B4-BE49-F238E27FC236}">
-                <a16:creationId xmlns:a16="http://schemas.microsoft.com/office/drawing/2014/main" id="{53316609-90EC-4096-B192-E87A8A78AF97}"/>
+                <a16:creationId xmlns:a16="http://schemas.microsoft.com/office/drawing/2014/main" id="{3A354686-B15D-B76F-66D7-38CF60BCF21A}"/>
               </a:ext>
             </a:extLst>
           </p:cNvPr>
@@ -990,7 +990,7 @@
           <p:cNvPr id="3" name="文本占位符 2">
             <a:extLst>
               <a:ext uri="{FF2B5EF4-FFF2-40B4-BE49-F238E27FC236}">
-                <a16:creationId xmlns:a16="http://schemas.microsoft.com/office/drawing/2014/main" id="{A00D44A4-409B-2A4C-A696-D6C59278D80E}"/>
+                <a16:creationId xmlns:a16="http://schemas.microsoft.com/office/drawing/2014/main" id="{CDE82D1A-37B3-2A45-5C49-560D9FED50EB}"/>
               </a:ext>
             </a:extLst>
           </p:cNvPr>
@@ -1115,7 +1115,7 @@
           <p:cNvPr id="4" name="日期占位符 3">
             <a:extLst>
               <a:ext uri="{FF2B5EF4-FFF2-40B4-BE49-F238E27FC236}">
-                <a16:creationId xmlns:a16="http://schemas.microsoft.com/office/drawing/2014/main" id="{A8979D20-AA55-8D78-6AFE-73AD6CAC5F07}"/>
+                <a16:creationId xmlns:a16="http://schemas.microsoft.com/office/drawing/2014/main" id="{FE6EBA5D-9007-7B61-6B28-752613B89AD9}"/>
               </a:ext>
             </a:extLst>
           </p:cNvPr>
@@ -1131,7 +1131,7 @@
           <a:bodyPr/>
           <a:lstStyle/>
           <a:p>
-            <a:fld id="{EF682F3E-94F9-419D-AEA8-69E5EDEB68C4}" type="datetimeFigureOut">
+            <a:fld id="{ACCDC2CF-223D-472F-9AC2-985BF7C5DA47}" type="datetimeFigureOut">
               <a:rPr lang="zh-CN" altLang="en-US" smtClean="0"/>
               <a:t>2024/3/10</a:t>
             </a:fld>
@@ -1144,7 +1144,7 @@
           <p:cNvPr id="5" name="页脚占位符 4">
             <a:extLst>
               <a:ext uri="{FF2B5EF4-FFF2-40B4-BE49-F238E27FC236}">
-                <a16:creationId xmlns:a16="http://schemas.microsoft.com/office/drawing/2014/main" id="{7CEF7F97-AAB2-2E9E-A7FC-64F981A3034B}"/>
+                <a16:creationId xmlns:a16="http://schemas.microsoft.com/office/drawing/2014/main" id="{FDAFC25E-DD7E-3349-47E6-E9EA2FB6863A}"/>
               </a:ext>
             </a:extLst>
           </p:cNvPr>
@@ -1169,7 +1169,7 @@
           <p:cNvPr id="6" name="灯片编号占位符 5">
             <a:extLst>
               <a:ext uri="{FF2B5EF4-FFF2-40B4-BE49-F238E27FC236}">
-                <a16:creationId xmlns:a16="http://schemas.microsoft.com/office/drawing/2014/main" id="{44B1508E-0176-CBBF-0CBE-3F3F33CC8EF6}"/>
+                <a16:creationId xmlns:a16="http://schemas.microsoft.com/office/drawing/2014/main" id="{7A656B6F-DC68-541A-95F7-8E5414C8656B}"/>
               </a:ext>
             </a:extLst>
           </p:cNvPr>
@@ -1185,7 +1185,7 @@
           <a:bodyPr/>
           <a:lstStyle/>
           <a:p>
-            <a:fld id="{A1D975A1-35D9-4EAD-9A9E-76BCBBDD7DC7}" type="slidenum">
+            <a:fld id="{CDBF80CA-E56F-4A8B-A959-96ACCF06A62C}" type="slidenum">
               <a:rPr lang="zh-CN" altLang="en-US" smtClean="0"/>
               <a:t>‹#›</a:t>
             </a:fld>
@@ -1196,7 +1196,7 @@
     </p:spTree>
     <p:extLst>
       <p:ext uri="{BB962C8B-B14F-4D97-AF65-F5344CB8AC3E}">
-        <p14:creationId xmlns:p14="http://schemas.microsoft.com/office/powerpoint/2010/main" val="2193659977"/>
+        <p14:creationId xmlns:p14="http://schemas.microsoft.com/office/powerpoint/2010/main" val="2789122716"/>
       </p:ext>
     </p:extLst>
   </p:cSld>
@@ -1228,7 +1228,7 @@
           <p:cNvPr id="2" name="标题 1">
             <a:extLst>
               <a:ext uri="{FF2B5EF4-FFF2-40B4-BE49-F238E27FC236}">
-                <a16:creationId xmlns:a16="http://schemas.microsoft.com/office/drawing/2014/main" id="{858ACF2A-FED4-F812-4D81-942EE5B57E5C}"/>
+                <a16:creationId xmlns:a16="http://schemas.microsoft.com/office/drawing/2014/main" id="{A7472363-5CD8-0B2C-93F5-EF2A8B1191CE}"/>
               </a:ext>
             </a:extLst>
           </p:cNvPr>
@@ -1256,7 +1256,7 @@
           <p:cNvPr id="3" name="内容占位符 2">
             <a:extLst>
               <a:ext uri="{FF2B5EF4-FFF2-40B4-BE49-F238E27FC236}">
-                <a16:creationId xmlns:a16="http://schemas.microsoft.com/office/drawing/2014/main" id="{A87FF137-5A5C-18F2-B048-CA1B436CCF97}"/>
+                <a16:creationId xmlns:a16="http://schemas.microsoft.com/office/drawing/2014/main" id="{F6719A85-14AD-39A2-1161-0F23DB5DF1CF}"/>
               </a:ext>
             </a:extLst>
           </p:cNvPr>
@@ -1318,7 +1318,7 @@
           <p:cNvPr id="4" name="内容占位符 3">
             <a:extLst>
               <a:ext uri="{FF2B5EF4-FFF2-40B4-BE49-F238E27FC236}">
-                <a16:creationId xmlns:a16="http://schemas.microsoft.com/office/drawing/2014/main" id="{4F179E46-5BBC-1F85-5A51-A24C4BA6DC8C}"/>
+                <a16:creationId xmlns:a16="http://schemas.microsoft.com/office/drawing/2014/main" id="{4A974C5F-9FA1-7DB9-520D-5FF982319A89}"/>
               </a:ext>
             </a:extLst>
           </p:cNvPr>
@@ -1380,7 +1380,7 @@
           <p:cNvPr id="5" name="日期占位符 4">
             <a:extLst>
               <a:ext uri="{FF2B5EF4-FFF2-40B4-BE49-F238E27FC236}">
-                <a16:creationId xmlns:a16="http://schemas.microsoft.com/office/drawing/2014/main" id="{A8125902-4434-9B0A-85DA-BD2E6483E584}"/>
+                <a16:creationId xmlns:a16="http://schemas.microsoft.com/office/drawing/2014/main" id="{CFE8B711-8B76-AFC0-19FA-010547BE7033}"/>
               </a:ext>
             </a:extLst>
           </p:cNvPr>
@@ -1396,7 +1396,7 @@
           <a:bodyPr/>
           <a:lstStyle/>
           <a:p>
-            <a:fld id="{EF682F3E-94F9-419D-AEA8-69E5EDEB68C4}" type="datetimeFigureOut">
+            <a:fld id="{ACCDC2CF-223D-472F-9AC2-985BF7C5DA47}" type="datetimeFigureOut">
               <a:rPr lang="zh-CN" altLang="en-US" smtClean="0"/>
               <a:t>2024/3/10</a:t>
             </a:fld>
@@ -1409,7 +1409,7 @@
           <p:cNvPr id="6" name="页脚占位符 5">
             <a:extLst>
               <a:ext uri="{FF2B5EF4-FFF2-40B4-BE49-F238E27FC236}">
-                <a16:creationId xmlns:a16="http://schemas.microsoft.com/office/drawing/2014/main" id="{EDB58E75-29FD-6383-A112-C277F8705760}"/>
+                <a16:creationId xmlns:a16="http://schemas.microsoft.com/office/drawing/2014/main" id="{5D4706CD-6506-46AC-7530-EACE67B0A76F}"/>
               </a:ext>
             </a:extLst>
           </p:cNvPr>
@@ -1434,7 +1434,7 @@
           <p:cNvPr id="7" name="灯片编号占位符 6">
             <a:extLst>
               <a:ext uri="{FF2B5EF4-FFF2-40B4-BE49-F238E27FC236}">
-                <a16:creationId xmlns:a16="http://schemas.microsoft.com/office/drawing/2014/main" id="{251819BE-ABF4-7300-F10D-42A476194AE9}"/>
+                <a16:creationId xmlns:a16="http://schemas.microsoft.com/office/drawing/2014/main" id="{BB0D680F-B943-A30D-1DCA-96EBC2E72C4A}"/>
               </a:ext>
             </a:extLst>
           </p:cNvPr>
@@ -1450,7 +1450,7 @@
           <a:bodyPr/>
           <a:lstStyle/>
           <a:p>
-            <a:fld id="{A1D975A1-35D9-4EAD-9A9E-76BCBBDD7DC7}" type="slidenum">
+            <a:fld id="{CDBF80CA-E56F-4A8B-A959-96ACCF06A62C}" type="slidenum">
               <a:rPr lang="zh-CN" altLang="en-US" smtClean="0"/>
               <a:t>‹#›</a:t>
             </a:fld>
@@ -1461,7 +1461,7 @@
     </p:spTree>
     <p:extLst>
       <p:ext uri="{BB962C8B-B14F-4D97-AF65-F5344CB8AC3E}">
-        <p14:creationId xmlns:p14="http://schemas.microsoft.com/office/powerpoint/2010/main" val="1085707692"/>
+        <p14:creationId xmlns:p14="http://schemas.microsoft.com/office/powerpoint/2010/main" val="193486027"/>
       </p:ext>
     </p:extLst>
   </p:cSld>
@@ -1493,7 +1493,7 @@
           <p:cNvPr id="2" name="标题 1">
             <a:extLst>
               <a:ext uri="{FF2B5EF4-FFF2-40B4-BE49-F238E27FC236}">
-                <a16:creationId xmlns:a16="http://schemas.microsoft.com/office/drawing/2014/main" id="{AF7880BA-D0B3-C5BB-6E2D-BCEBB8247507}"/>
+                <a16:creationId xmlns:a16="http://schemas.microsoft.com/office/drawing/2014/main" id="{E5097DD1-D491-A91D-14A6-227DD4EC4FAA}"/>
               </a:ext>
             </a:extLst>
           </p:cNvPr>
@@ -1526,7 +1526,7 @@
           <p:cNvPr id="3" name="文本占位符 2">
             <a:extLst>
               <a:ext uri="{FF2B5EF4-FFF2-40B4-BE49-F238E27FC236}">
-                <a16:creationId xmlns:a16="http://schemas.microsoft.com/office/drawing/2014/main" id="{3FE18301-1C8E-0296-FAE6-2A57C9280947}"/>
+                <a16:creationId xmlns:a16="http://schemas.microsoft.com/office/drawing/2014/main" id="{BCEA42F6-F55E-1CF8-544E-56F4899A13FA}"/>
               </a:ext>
             </a:extLst>
           </p:cNvPr>
@@ -1597,7 +1597,7 @@
           <p:cNvPr id="4" name="内容占位符 3">
             <a:extLst>
               <a:ext uri="{FF2B5EF4-FFF2-40B4-BE49-F238E27FC236}">
-                <a16:creationId xmlns:a16="http://schemas.microsoft.com/office/drawing/2014/main" id="{03A4D26C-0C37-29A8-4CC8-3398932F479A}"/>
+                <a16:creationId xmlns:a16="http://schemas.microsoft.com/office/drawing/2014/main" id="{C5F84BA7-6604-3207-D377-113AF48631E1}"/>
               </a:ext>
             </a:extLst>
           </p:cNvPr>
@@ -1659,7 +1659,7 @@
           <p:cNvPr id="5" name="文本占位符 4">
             <a:extLst>
               <a:ext uri="{FF2B5EF4-FFF2-40B4-BE49-F238E27FC236}">
-                <a16:creationId xmlns:a16="http://schemas.microsoft.com/office/drawing/2014/main" id="{A449B447-191D-C0CC-E7DB-DCB467FA8F2C}"/>
+                <a16:creationId xmlns:a16="http://schemas.microsoft.com/office/drawing/2014/main" id="{9CF87A51-26C6-791B-F5F4-8139AD8B2074}"/>
               </a:ext>
             </a:extLst>
           </p:cNvPr>
@@ -1730,7 +1730,7 @@
           <p:cNvPr id="6" name="内容占位符 5">
             <a:extLst>
               <a:ext uri="{FF2B5EF4-FFF2-40B4-BE49-F238E27FC236}">
-                <a16:creationId xmlns:a16="http://schemas.microsoft.com/office/drawing/2014/main" id="{4C46F236-6B99-F4C1-9A21-EFF90E0B2507}"/>
+                <a16:creationId xmlns:a16="http://schemas.microsoft.com/office/drawing/2014/main" id="{EA0B9E8A-923A-11B9-84B8-2E13302495FB}"/>
               </a:ext>
             </a:extLst>
           </p:cNvPr>
@@ -1792,7 +1792,7 @@
           <p:cNvPr id="7" name="日期占位符 6">
             <a:extLst>
               <a:ext uri="{FF2B5EF4-FFF2-40B4-BE49-F238E27FC236}">
-                <a16:creationId xmlns:a16="http://schemas.microsoft.com/office/drawing/2014/main" id="{0A417FEE-BD0E-CB93-E200-07A5433155F2}"/>
+                <a16:creationId xmlns:a16="http://schemas.microsoft.com/office/drawing/2014/main" id="{95227F1D-CA13-97AD-0C08-059C0E1A7849}"/>
               </a:ext>
             </a:extLst>
           </p:cNvPr>
@@ -1808,7 +1808,7 @@
           <a:bodyPr/>
           <a:lstStyle/>
           <a:p>
-            <a:fld id="{EF682F3E-94F9-419D-AEA8-69E5EDEB68C4}" type="datetimeFigureOut">
+            <a:fld id="{ACCDC2CF-223D-472F-9AC2-985BF7C5DA47}" type="datetimeFigureOut">
               <a:rPr lang="zh-CN" altLang="en-US" smtClean="0"/>
               <a:t>2024/3/10</a:t>
             </a:fld>
@@ -1821,7 +1821,7 @@
           <p:cNvPr id="8" name="页脚占位符 7">
             <a:extLst>
               <a:ext uri="{FF2B5EF4-FFF2-40B4-BE49-F238E27FC236}">
-                <a16:creationId xmlns:a16="http://schemas.microsoft.com/office/drawing/2014/main" id="{8EF2923D-3063-A4D0-413A-080DAB2C7F86}"/>
+                <a16:creationId xmlns:a16="http://schemas.microsoft.com/office/drawing/2014/main" id="{1AE8530D-EC65-7577-965E-A529BA722DF2}"/>
               </a:ext>
             </a:extLst>
           </p:cNvPr>
@@ -1846,7 +1846,7 @@
           <p:cNvPr id="9" name="灯片编号占位符 8">
             <a:extLst>
               <a:ext uri="{FF2B5EF4-FFF2-40B4-BE49-F238E27FC236}">
-                <a16:creationId xmlns:a16="http://schemas.microsoft.com/office/drawing/2014/main" id="{8A8F8A5F-8011-E874-B4EB-95CE3255E4ED}"/>
+                <a16:creationId xmlns:a16="http://schemas.microsoft.com/office/drawing/2014/main" id="{80F9B1FB-50DB-536F-730C-649543CFBBDD}"/>
               </a:ext>
             </a:extLst>
           </p:cNvPr>
@@ -1862,7 +1862,7 @@
           <a:bodyPr/>
           <a:lstStyle/>
           <a:p>
-            <a:fld id="{A1D975A1-35D9-4EAD-9A9E-76BCBBDD7DC7}" type="slidenum">
+            <a:fld id="{CDBF80CA-E56F-4A8B-A959-96ACCF06A62C}" type="slidenum">
               <a:rPr lang="zh-CN" altLang="en-US" smtClean="0"/>
               <a:t>‹#›</a:t>
             </a:fld>
@@ -1873,7 +1873,7 @@
     </p:spTree>
     <p:extLst>
       <p:ext uri="{BB962C8B-B14F-4D97-AF65-F5344CB8AC3E}">
-        <p14:creationId xmlns:p14="http://schemas.microsoft.com/office/powerpoint/2010/main" val="2547459287"/>
+        <p14:creationId xmlns:p14="http://schemas.microsoft.com/office/powerpoint/2010/main" val="2118103712"/>
       </p:ext>
     </p:extLst>
   </p:cSld>
@@ -1905,7 +1905,7 @@
           <p:cNvPr id="2" name="标题 1">
             <a:extLst>
               <a:ext uri="{FF2B5EF4-FFF2-40B4-BE49-F238E27FC236}">
-                <a16:creationId xmlns:a16="http://schemas.microsoft.com/office/drawing/2014/main" id="{55CA5318-12E9-4557-A5F4-3AD2A95A7128}"/>
+                <a16:creationId xmlns:a16="http://schemas.microsoft.com/office/drawing/2014/main" id="{F3E920B0-5A6A-8AC1-CE69-4583256B3A4B}"/>
               </a:ext>
             </a:extLst>
           </p:cNvPr>
@@ -1933,7 +1933,7 @@
           <p:cNvPr id="3" name="日期占位符 2">
             <a:extLst>
               <a:ext uri="{FF2B5EF4-FFF2-40B4-BE49-F238E27FC236}">
-                <a16:creationId xmlns:a16="http://schemas.microsoft.com/office/drawing/2014/main" id="{17B5D84D-CE2F-D1CC-93D6-6589C732A73F}"/>
+                <a16:creationId xmlns:a16="http://schemas.microsoft.com/office/drawing/2014/main" id="{E5A52B1A-BB56-6E20-7404-16726B0487D8}"/>
               </a:ext>
             </a:extLst>
           </p:cNvPr>
@@ -1949,7 +1949,7 @@
           <a:bodyPr/>
           <a:lstStyle/>
           <a:p>
-            <a:fld id="{EF682F3E-94F9-419D-AEA8-69E5EDEB68C4}" type="datetimeFigureOut">
+            <a:fld id="{ACCDC2CF-223D-472F-9AC2-985BF7C5DA47}" type="datetimeFigureOut">
               <a:rPr lang="zh-CN" altLang="en-US" smtClean="0"/>
               <a:t>2024/3/10</a:t>
             </a:fld>
@@ -1962,7 +1962,7 @@
           <p:cNvPr id="4" name="页脚占位符 3">
             <a:extLst>
               <a:ext uri="{FF2B5EF4-FFF2-40B4-BE49-F238E27FC236}">
-                <a16:creationId xmlns:a16="http://schemas.microsoft.com/office/drawing/2014/main" id="{D56819BA-4438-8334-ED56-91C7C9140522}"/>
+                <a16:creationId xmlns:a16="http://schemas.microsoft.com/office/drawing/2014/main" id="{807A4A17-9F61-C0E6-16E1-7B4459684663}"/>
               </a:ext>
             </a:extLst>
           </p:cNvPr>
@@ -1987,7 +1987,7 @@
           <p:cNvPr id="5" name="灯片编号占位符 4">
             <a:extLst>
               <a:ext uri="{FF2B5EF4-FFF2-40B4-BE49-F238E27FC236}">
-                <a16:creationId xmlns:a16="http://schemas.microsoft.com/office/drawing/2014/main" id="{4F6BFE91-D2D1-7773-4183-1BEABC21187E}"/>
+                <a16:creationId xmlns:a16="http://schemas.microsoft.com/office/drawing/2014/main" id="{58A20920-A167-5A89-3B14-BDD2ED61051A}"/>
               </a:ext>
             </a:extLst>
           </p:cNvPr>
@@ -2003,7 +2003,7 @@
           <a:bodyPr/>
           <a:lstStyle/>
           <a:p>
-            <a:fld id="{A1D975A1-35D9-4EAD-9A9E-76BCBBDD7DC7}" type="slidenum">
+            <a:fld id="{CDBF80CA-E56F-4A8B-A959-96ACCF06A62C}" type="slidenum">
               <a:rPr lang="zh-CN" altLang="en-US" smtClean="0"/>
               <a:t>‹#›</a:t>
             </a:fld>
@@ -2014,7 +2014,7 @@
     </p:spTree>
     <p:extLst>
       <p:ext uri="{BB962C8B-B14F-4D97-AF65-F5344CB8AC3E}">
-        <p14:creationId xmlns:p14="http://schemas.microsoft.com/office/powerpoint/2010/main" val="2042851749"/>
+        <p14:creationId xmlns:p14="http://schemas.microsoft.com/office/powerpoint/2010/main" val="115849310"/>
       </p:ext>
     </p:extLst>
   </p:cSld>
@@ -2046,7 +2046,7 @@
           <p:cNvPr id="2" name="日期占位符 1">
             <a:extLst>
               <a:ext uri="{FF2B5EF4-FFF2-40B4-BE49-F238E27FC236}">
-                <a16:creationId xmlns:a16="http://schemas.microsoft.com/office/drawing/2014/main" id="{82067143-3330-74EA-FEF0-77FC254E379B}"/>
+                <a16:creationId xmlns:a16="http://schemas.microsoft.com/office/drawing/2014/main" id="{619DF138-C201-9733-3DFC-1315CFA66D4E}"/>
               </a:ext>
             </a:extLst>
           </p:cNvPr>
@@ -2062,7 +2062,7 @@
           <a:bodyPr/>
           <a:lstStyle/>
           <a:p>
-            <a:fld id="{EF682F3E-94F9-419D-AEA8-69E5EDEB68C4}" type="datetimeFigureOut">
+            <a:fld id="{ACCDC2CF-223D-472F-9AC2-985BF7C5DA47}" type="datetimeFigureOut">
               <a:rPr lang="zh-CN" altLang="en-US" smtClean="0"/>
               <a:t>2024/3/10</a:t>
             </a:fld>
@@ -2075,7 +2075,7 @@
           <p:cNvPr id="3" name="页脚占位符 2">
             <a:extLst>
               <a:ext uri="{FF2B5EF4-FFF2-40B4-BE49-F238E27FC236}">
-                <a16:creationId xmlns:a16="http://schemas.microsoft.com/office/drawing/2014/main" id="{8A1FCAD0-B365-74AE-2122-525377CBD87C}"/>
+                <a16:creationId xmlns:a16="http://schemas.microsoft.com/office/drawing/2014/main" id="{C31C5E75-E5CC-00EC-BC62-95689FCD22EE}"/>
               </a:ext>
             </a:extLst>
           </p:cNvPr>
@@ -2100,7 +2100,7 @@
           <p:cNvPr id="4" name="灯片编号占位符 3">
             <a:extLst>
               <a:ext uri="{FF2B5EF4-FFF2-40B4-BE49-F238E27FC236}">
-                <a16:creationId xmlns:a16="http://schemas.microsoft.com/office/drawing/2014/main" id="{1A2C6F19-3106-6E0E-4C68-346227D113CE}"/>
+                <a16:creationId xmlns:a16="http://schemas.microsoft.com/office/drawing/2014/main" id="{E69B67CC-0A6D-14C7-0A4E-48A986E69EE6}"/>
               </a:ext>
             </a:extLst>
           </p:cNvPr>
@@ -2116,7 +2116,7 @@
           <a:bodyPr/>
           <a:lstStyle/>
           <a:p>
-            <a:fld id="{A1D975A1-35D9-4EAD-9A9E-76BCBBDD7DC7}" type="slidenum">
+            <a:fld id="{CDBF80CA-E56F-4A8B-A959-96ACCF06A62C}" type="slidenum">
               <a:rPr lang="zh-CN" altLang="en-US" smtClean="0"/>
               <a:t>‹#›</a:t>
             </a:fld>
@@ -2127,7 +2127,7 @@
     </p:spTree>
     <p:extLst>
       <p:ext uri="{BB962C8B-B14F-4D97-AF65-F5344CB8AC3E}">
-        <p14:creationId xmlns:p14="http://schemas.microsoft.com/office/powerpoint/2010/main" val="4164050705"/>
+        <p14:creationId xmlns:p14="http://schemas.microsoft.com/office/powerpoint/2010/main" val="3153296204"/>
       </p:ext>
     </p:extLst>
   </p:cSld>
@@ -2159,7 +2159,7 @@
           <p:cNvPr id="2" name="标题 1">
             <a:extLst>
               <a:ext uri="{FF2B5EF4-FFF2-40B4-BE49-F238E27FC236}">
-                <a16:creationId xmlns:a16="http://schemas.microsoft.com/office/drawing/2014/main" id="{D625AC5B-9082-EE05-155B-7BDE75097695}"/>
+                <a16:creationId xmlns:a16="http://schemas.microsoft.com/office/drawing/2014/main" id="{774368BB-2A6C-78D1-64AC-119BC59B2649}"/>
               </a:ext>
             </a:extLst>
           </p:cNvPr>
@@ -2196,7 +2196,7 @@
           <p:cNvPr id="3" name="内容占位符 2">
             <a:extLst>
               <a:ext uri="{FF2B5EF4-FFF2-40B4-BE49-F238E27FC236}">
-                <a16:creationId xmlns:a16="http://schemas.microsoft.com/office/drawing/2014/main" id="{5C97DE15-EB4B-FED1-A321-7B9563B66E74}"/>
+                <a16:creationId xmlns:a16="http://schemas.microsoft.com/office/drawing/2014/main" id="{53069132-77D8-30C9-4F5F-E0E5E936F46E}"/>
               </a:ext>
             </a:extLst>
           </p:cNvPr>
@@ -2286,7 +2286,7 @@
           <p:cNvPr id="4" name="文本占位符 3">
             <a:extLst>
               <a:ext uri="{FF2B5EF4-FFF2-40B4-BE49-F238E27FC236}">
-                <a16:creationId xmlns:a16="http://schemas.microsoft.com/office/drawing/2014/main" id="{3B47255C-6F80-C8AA-29D1-B2C7764FA9F3}"/>
+                <a16:creationId xmlns:a16="http://schemas.microsoft.com/office/drawing/2014/main" id="{3F77C56E-30C0-2EB2-57B2-6ECE00E9935B}"/>
               </a:ext>
             </a:extLst>
           </p:cNvPr>
@@ -2357,7 +2357,7 @@
           <p:cNvPr id="5" name="日期占位符 4">
             <a:extLst>
               <a:ext uri="{FF2B5EF4-FFF2-40B4-BE49-F238E27FC236}">
-                <a16:creationId xmlns:a16="http://schemas.microsoft.com/office/drawing/2014/main" id="{BDF19450-5955-0F02-B0C8-772A694C7B73}"/>
+                <a16:creationId xmlns:a16="http://schemas.microsoft.com/office/drawing/2014/main" id="{3E389B05-AB8F-2A86-A4C2-73695E76CFE4}"/>
               </a:ext>
             </a:extLst>
           </p:cNvPr>
@@ -2373,7 +2373,7 @@
           <a:bodyPr/>
           <a:lstStyle/>
           <a:p>
-            <a:fld id="{EF682F3E-94F9-419D-AEA8-69E5EDEB68C4}" type="datetimeFigureOut">
+            <a:fld id="{ACCDC2CF-223D-472F-9AC2-985BF7C5DA47}" type="datetimeFigureOut">
               <a:rPr lang="zh-CN" altLang="en-US" smtClean="0"/>
               <a:t>2024/3/10</a:t>
             </a:fld>
@@ -2386,7 +2386,7 @@
           <p:cNvPr id="6" name="页脚占位符 5">
             <a:extLst>
               <a:ext uri="{FF2B5EF4-FFF2-40B4-BE49-F238E27FC236}">
-                <a16:creationId xmlns:a16="http://schemas.microsoft.com/office/drawing/2014/main" id="{4FB123E8-39D3-B63F-068D-04F57D495292}"/>
+                <a16:creationId xmlns:a16="http://schemas.microsoft.com/office/drawing/2014/main" id="{9B25AAC0-CA31-A291-3D08-BBF0E7D85011}"/>
               </a:ext>
             </a:extLst>
           </p:cNvPr>
@@ -2411,7 +2411,7 @@
           <p:cNvPr id="7" name="灯片编号占位符 6">
             <a:extLst>
               <a:ext uri="{FF2B5EF4-FFF2-40B4-BE49-F238E27FC236}">
-                <a16:creationId xmlns:a16="http://schemas.microsoft.com/office/drawing/2014/main" id="{595BA1AA-26E7-9611-1BEA-837EF7A051B3}"/>
+                <a16:creationId xmlns:a16="http://schemas.microsoft.com/office/drawing/2014/main" id="{7AD38499-B670-7E4F-DA0D-037C4B60DC89}"/>
               </a:ext>
             </a:extLst>
           </p:cNvPr>
@@ -2427,7 +2427,7 @@
           <a:bodyPr/>
           <a:lstStyle/>
           <a:p>
-            <a:fld id="{A1D975A1-35D9-4EAD-9A9E-76BCBBDD7DC7}" type="slidenum">
+            <a:fld id="{CDBF80CA-E56F-4A8B-A959-96ACCF06A62C}" type="slidenum">
               <a:rPr lang="zh-CN" altLang="en-US" smtClean="0"/>
               <a:t>‹#›</a:t>
             </a:fld>
@@ -2438,7 +2438,7 @@
     </p:spTree>
     <p:extLst>
       <p:ext uri="{BB962C8B-B14F-4D97-AF65-F5344CB8AC3E}">
-        <p14:creationId xmlns:p14="http://schemas.microsoft.com/office/powerpoint/2010/main" val="3822141103"/>
+        <p14:creationId xmlns:p14="http://schemas.microsoft.com/office/powerpoint/2010/main" val="1086027555"/>
       </p:ext>
     </p:extLst>
   </p:cSld>
@@ -2470,7 +2470,7 @@
           <p:cNvPr id="2" name="标题 1">
             <a:extLst>
               <a:ext uri="{FF2B5EF4-FFF2-40B4-BE49-F238E27FC236}">
-                <a16:creationId xmlns:a16="http://schemas.microsoft.com/office/drawing/2014/main" id="{6E36A7DB-4C7C-372F-554F-5FCC4BA6E32F}"/>
+                <a16:creationId xmlns:a16="http://schemas.microsoft.com/office/drawing/2014/main" id="{290383BF-9CDB-78F6-152D-0483FDB66E7E}"/>
               </a:ext>
             </a:extLst>
           </p:cNvPr>
@@ -2507,7 +2507,7 @@
           <p:cNvPr id="3" name="图片占位符 2">
             <a:extLst>
               <a:ext uri="{FF2B5EF4-FFF2-40B4-BE49-F238E27FC236}">
-                <a16:creationId xmlns:a16="http://schemas.microsoft.com/office/drawing/2014/main" id="{34DDE162-AD74-CD87-02A3-EA1888B2DB47}"/>
+                <a16:creationId xmlns:a16="http://schemas.microsoft.com/office/drawing/2014/main" id="{8CCD7E7E-30DC-922F-DC0B-2B7ABEB42706}"/>
               </a:ext>
             </a:extLst>
           </p:cNvPr>
@@ -2574,7 +2574,7 @@
           <p:cNvPr id="4" name="文本占位符 3">
             <a:extLst>
               <a:ext uri="{FF2B5EF4-FFF2-40B4-BE49-F238E27FC236}">
-                <a16:creationId xmlns:a16="http://schemas.microsoft.com/office/drawing/2014/main" id="{F83301D4-A408-240D-9D30-46C8C98F0954}"/>
+                <a16:creationId xmlns:a16="http://schemas.microsoft.com/office/drawing/2014/main" id="{DADFCB68-8606-F111-8B4D-17C64302850A}"/>
               </a:ext>
             </a:extLst>
           </p:cNvPr>
@@ -2645,7 +2645,7 @@
           <p:cNvPr id="5" name="日期占位符 4">
             <a:extLst>
               <a:ext uri="{FF2B5EF4-FFF2-40B4-BE49-F238E27FC236}">
-                <a16:creationId xmlns:a16="http://schemas.microsoft.com/office/drawing/2014/main" id="{7D414916-3D54-2BA1-19D4-F77252E0EEC5}"/>
+                <a16:creationId xmlns:a16="http://schemas.microsoft.com/office/drawing/2014/main" id="{DFAEBF01-F6BD-E3F6-F6B7-97A2E984DA42}"/>
               </a:ext>
             </a:extLst>
           </p:cNvPr>
@@ -2661,7 +2661,7 @@
           <a:bodyPr/>
           <a:lstStyle/>
           <a:p>
-            <a:fld id="{EF682F3E-94F9-419D-AEA8-69E5EDEB68C4}" type="datetimeFigureOut">
+            <a:fld id="{ACCDC2CF-223D-472F-9AC2-985BF7C5DA47}" type="datetimeFigureOut">
               <a:rPr lang="zh-CN" altLang="en-US" smtClean="0"/>
               <a:t>2024/3/10</a:t>
             </a:fld>
@@ -2674,7 +2674,7 @@
           <p:cNvPr id="6" name="页脚占位符 5">
             <a:extLst>
               <a:ext uri="{FF2B5EF4-FFF2-40B4-BE49-F238E27FC236}">
-                <a16:creationId xmlns:a16="http://schemas.microsoft.com/office/drawing/2014/main" id="{F52403BF-C9FB-2BD5-D922-5E95D9670A38}"/>
+                <a16:creationId xmlns:a16="http://schemas.microsoft.com/office/drawing/2014/main" id="{095A4634-936A-F2EF-6829-B9308DBE18E5}"/>
               </a:ext>
             </a:extLst>
           </p:cNvPr>
@@ -2699,7 +2699,7 @@
           <p:cNvPr id="7" name="灯片编号占位符 6">
             <a:extLst>
               <a:ext uri="{FF2B5EF4-FFF2-40B4-BE49-F238E27FC236}">
-                <a16:creationId xmlns:a16="http://schemas.microsoft.com/office/drawing/2014/main" id="{822ACBE9-4854-CFB2-EDD3-F25AFE0332DF}"/>
+                <a16:creationId xmlns:a16="http://schemas.microsoft.com/office/drawing/2014/main" id="{6A199F69-5418-6AB8-BBD6-8FCA387C0FA5}"/>
               </a:ext>
             </a:extLst>
           </p:cNvPr>
@@ -2715,7 +2715,7 @@
           <a:bodyPr/>
           <a:lstStyle/>
           <a:p>
-            <a:fld id="{A1D975A1-35D9-4EAD-9A9E-76BCBBDD7DC7}" type="slidenum">
+            <a:fld id="{CDBF80CA-E56F-4A8B-A959-96ACCF06A62C}" type="slidenum">
               <a:rPr lang="zh-CN" altLang="en-US" smtClean="0"/>
               <a:t>‹#›</a:t>
             </a:fld>
@@ -2726,7 +2726,7 @@
     </p:spTree>
     <p:extLst>
       <p:ext uri="{BB962C8B-B14F-4D97-AF65-F5344CB8AC3E}">
-        <p14:creationId xmlns:p14="http://schemas.microsoft.com/office/powerpoint/2010/main" val="2913083484"/>
+        <p14:creationId xmlns:p14="http://schemas.microsoft.com/office/powerpoint/2010/main" val="3924413608"/>
       </p:ext>
     </p:extLst>
   </p:cSld>
@@ -2763,7 +2763,7 @@
           <p:cNvPr id="2" name="标题占位符 1">
             <a:extLst>
               <a:ext uri="{FF2B5EF4-FFF2-40B4-BE49-F238E27FC236}">
-                <a16:creationId xmlns:a16="http://schemas.microsoft.com/office/drawing/2014/main" id="{5CA0FDCC-F130-D11A-1E43-525EB21706E1}"/>
+                <a16:creationId xmlns:a16="http://schemas.microsoft.com/office/drawing/2014/main" id="{20C66D70-26CD-6820-FC66-8138ED709433}"/>
               </a:ext>
             </a:extLst>
           </p:cNvPr>
@@ -2801,7 +2801,7 @@
           <p:cNvPr id="3" name="文本占位符 2">
             <a:extLst>
               <a:ext uri="{FF2B5EF4-FFF2-40B4-BE49-F238E27FC236}">
-                <a16:creationId xmlns:a16="http://schemas.microsoft.com/office/drawing/2014/main" id="{9D1FF994-C0BB-3F1B-8DD8-BC68AE9F9040}"/>
+                <a16:creationId xmlns:a16="http://schemas.microsoft.com/office/drawing/2014/main" id="{23FFBFF9-CF6D-0144-6DD7-DB78D5795A9B}"/>
               </a:ext>
             </a:extLst>
           </p:cNvPr>
@@ -2868,7 +2868,7 @@
           <p:cNvPr id="4" name="日期占位符 3">
             <a:extLst>
               <a:ext uri="{FF2B5EF4-FFF2-40B4-BE49-F238E27FC236}">
-                <a16:creationId xmlns:a16="http://schemas.microsoft.com/office/drawing/2014/main" id="{8BF94116-28D5-439B-2864-E70253A68EDB}"/>
+                <a16:creationId xmlns:a16="http://schemas.microsoft.com/office/drawing/2014/main" id="{37E11D04-EC97-C755-72D2-A4ADA308236C}"/>
               </a:ext>
             </a:extLst>
           </p:cNvPr>
@@ -2902,7 +2902,7 @@
             </a:lvl1pPr>
           </a:lstStyle>
           <a:p>
-            <a:fld id="{EF682F3E-94F9-419D-AEA8-69E5EDEB68C4}" type="datetimeFigureOut">
+            <a:fld id="{ACCDC2CF-223D-472F-9AC2-985BF7C5DA47}" type="datetimeFigureOut">
               <a:rPr lang="zh-CN" altLang="en-US" smtClean="0"/>
               <a:t>2024/3/10</a:t>
             </a:fld>
@@ -2915,7 +2915,7 @@
           <p:cNvPr id="5" name="页脚占位符 4">
             <a:extLst>
               <a:ext uri="{FF2B5EF4-FFF2-40B4-BE49-F238E27FC236}">
-                <a16:creationId xmlns:a16="http://schemas.microsoft.com/office/drawing/2014/main" id="{6C2A92F2-C2E8-3CDA-3AA0-FD5ECCAE3F2D}"/>
+                <a16:creationId xmlns:a16="http://schemas.microsoft.com/office/drawing/2014/main" id="{270444A0-A9A8-D85B-C156-B5FC3A72D90F}"/>
               </a:ext>
             </a:extLst>
           </p:cNvPr>
@@ -2958,7 +2958,7 @@
           <p:cNvPr id="6" name="灯片编号占位符 5">
             <a:extLst>
               <a:ext uri="{FF2B5EF4-FFF2-40B4-BE49-F238E27FC236}">
-                <a16:creationId xmlns:a16="http://schemas.microsoft.com/office/drawing/2014/main" id="{8AD72A40-8393-4079-C27F-74A2D89041C8}"/>
+                <a16:creationId xmlns:a16="http://schemas.microsoft.com/office/drawing/2014/main" id="{61B572E6-B76F-D7A1-88CE-36877120B29C}"/>
               </a:ext>
             </a:extLst>
           </p:cNvPr>
@@ -2992,7 +2992,7 @@
             </a:lvl1pPr>
           </a:lstStyle>
           <a:p>
-            <a:fld id="{A1D975A1-35D9-4EAD-9A9E-76BCBBDD7DC7}" type="slidenum">
+            <a:fld id="{CDBF80CA-E56F-4A8B-A959-96ACCF06A62C}" type="slidenum">
               <a:rPr lang="zh-CN" altLang="en-US" smtClean="0"/>
               <a:t>‹#›</a:t>
             </a:fld>
@@ -3003,7 +3003,7 @@
     </p:spTree>
     <p:extLst>
       <p:ext uri="{BB962C8B-B14F-4D97-AF65-F5344CB8AC3E}">
-        <p14:creationId xmlns:p14="http://schemas.microsoft.com/office/powerpoint/2010/main" val="3105564772"/>
+        <p14:creationId xmlns:p14="http://schemas.microsoft.com/office/powerpoint/2010/main" val="3994884410"/>
       </p:ext>
     </p:extLst>
   </p:cSld>
